--- a/Презентация.pptx
+++ b/Презентация.pptx
@@ -8,8 +8,9 @@
     <p:sldId id="256" r:id="rId2"/>
     <p:sldId id="257" r:id="rId3"/>
     <p:sldId id="258" r:id="rId4"/>
-    <p:sldId id="259" r:id="rId5"/>
-    <p:sldId id="260" r:id="rId6"/>
+    <p:sldId id="261" r:id="rId5"/>
+    <p:sldId id="259" r:id="rId6"/>
+    <p:sldId id="260" r:id="rId7"/>
   </p:sldIdLst>
   <p:sldSz cx="12192000" cy="6858000"/>
   <p:notesSz cx="6858000" cy="9144000"/>
@@ -5996,6 +5997,98 @@
           <p:cNvPr id="2" name="Заголовок 1">
             <a:extLst>
               <a:ext uri="{FF2B5EF4-FFF2-40B4-BE49-F238E27FC236}">
+                <a16:creationId xmlns:a16="http://schemas.microsoft.com/office/drawing/2014/main" id="{3A8B459E-9F21-41F1-A7F4-88E1257D6DBB}"/>
+              </a:ext>
+            </a:extLst>
+          </p:cNvPr>
+          <p:cNvSpPr>
+            <a:spLocks noGrp="1"/>
+          </p:cNvSpPr>
+          <p:nvPr>
+            <p:ph type="title"/>
+          </p:nvPr>
+        </p:nvSpPr>
+        <p:spPr>
+          <a:xfrm>
+            <a:off x="834683" y="5350933"/>
+            <a:ext cx="8534400" cy="1507067"/>
+          </a:xfrm>
+        </p:spPr>
+        <p:txBody>
+          <a:bodyPr/>
+          <a:lstStyle/>
+          <a:p>
+            <a:r>
+              <a:rPr lang="ru-RU" dirty="0"/>
+              <a:t>Таблицы с типами данных</a:t>
+            </a:r>
+          </a:p>
+        </p:txBody>
+      </p:sp>
+      <p:pic>
+        <p:nvPicPr>
+          <p:cNvPr id="5" name="Объект 4">
+            <a:extLst>
+              <a:ext uri="{FF2B5EF4-FFF2-40B4-BE49-F238E27FC236}">
+                <a16:creationId xmlns:a16="http://schemas.microsoft.com/office/drawing/2014/main" id="{D36F5DDA-348D-4E78-9356-6BC28A321822}"/>
+              </a:ext>
+            </a:extLst>
+          </p:cNvPr>
+          <p:cNvPicPr>
+            <a:picLocks noGrp="1" noChangeAspect="1"/>
+          </p:cNvPicPr>
+          <p:nvPr>
+            <p:ph idx="1"/>
+          </p:nvPr>
+        </p:nvPicPr>
+        <p:blipFill>
+          <a:blip r:embed="rId2"/>
+          <a:stretch>
+            <a:fillRect/>
+          </a:stretch>
+        </p:blipFill>
+        <p:spPr>
+          <a:xfrm>
+            <a:off x="2783080" y="488675"/>
+            <a:ext cx="6354510" cy="4862258"/>
+          </a:xfrm>
+        </p:spPr>
+      </p:pic>
+    </p:spTree>
+    <p:extLst>
+      <p:ext uri="{BB962C8B-B14F-4D97-AF65-F5344CB8AC3E}">
+        <p14:creationId xmlns:p14="http://schemas.microsoft.com/office/powerpoint/2010/main" val="3793151198"/>
+      </p:ext>
+    </p:extLst>
+  </p:cSld>
+  <p:clrMapOvr>
+    <a:masterClrMapping/>
+  </p:clrMapOvr>
+</p:sld>
+</file>
+
+<file path=ppt/slides/slide5.xml><?xml version="1.0" encoding="utf-8"?>
+<p:sld xmlns:a="http://schemas.openxmlformats.org/drawingml/2006/main" xmlns:r="http://schemas.openxmlformats.org/officeDocument/2006/relationships" xmlns:p="http://schemas.openxmlformats.org/presentationml/2006/main">
+  <p:cSld>
+    <p:spTree>
+      <p:nvGrpSpPr>
+        <p:cNvPr id="1" name=""/>
+        <p:cNvGrpSpPr/>
+        <p:nvPr/>
+      </p:nvGrpSpPr>
+      <p:grpSpPr>
+        <a:xfrm>
+          <a:off x="0" y="0"/>
+          <a:ext cx="0" cy="0"/>
+          <a:chOff x="0" y="0"/>
+          <a:chExt cx="0" cy="0"/>
+        </a:xfrm>
+      </p:grpSpPr>
+      <p:sp>
+        <p:nvSpPr>
+          <p:cNvPr id="2" name="Заголовок 1">
+            <a:extLst>
+              <a:ext uri="{FF2B5EF4-FFF2-40B4-BE49-F238E27FC236}">
                 <a16:creationId xmlns:a16="http://schemas.microsoft.com/office/drawing/2014/main" id="{91007789-6195-4B28-83A6-3D15E3645A8D}"/>
               </a:ext>
             </a:extLst>
@@ -6130,7 +6223,7 @@
 </p:sld>
 </file>
 
-<file path=ppt/slides/slide5.xml><?xml version="1.0" encoding="utf-8"?>
+<file path=ppt/slides/slide6.xml><?xml version="1.0" encoding="utf-8"?>
 <p:sld xmlns:a="http://schemas.openxmlformats.org/drawingml/2006/main" xmlns:r="http://schemas.openxmlformats.org/officeDocument/2006/relationships" xmlns:p="http://schemas.openxmlformats.org/presentationml/2006/main">
   <p:cSld>
     <p:spTree>
